--- a/docs/Multi-Agent_Powerplant_Project.pptx
+++ b/docs/Multi-Agent_Powerplant_Project.pptx
@@ -28837,7 +28837,7 @@
         </p:nvSpPr>
         <p:spPr>
           <a:xfrm>
-            <a:off x="4942996" y="4267832"/>
+            <a:off x="4930940" y="3423023"/>
             <a:ext cx="3604497" cy="1297115"/>
           </a:xfrm>
           <a:prstGeom prst="rect">
@@ -28863,7 +28863,7 @@
               <a:defRPr sz="4400" b="1"/>
             </a:pPr>
             <a:r>
-              <a:rPr lang="en-US" sz="2700" kern="1200">
+              <a:rPr lang="en-US" sz="2700" kern="1200" dirty="0">
                 <a:solidFill>
                   <a:schemeClr val="tx2"/>
                 </a:solidFill>
@@ -28884,7 +28884,7 @@
         </p:nvSpPr>
         <p:spPr>
           <a:xfrm>
-            <a:off x="4943224" y="3428999"/>
+            <a:off x="4943225" y="2333040"/>
             <a:ext cx="3604268" cy="838831"/>
           </a:xfrm>
           <a:prstGeom prst="rect">
@@ -28907,7 +28907,7 @@
               <a:defRPr sz="2400"/>
             </a:pPr>
             <a:r>
-              <a:rPr lang="en-US" sz="1700" kern="1200">
+              <a:rPr lang="en-US" sz="1700" kern="1200" dirty="0">
                 <a:solidFill>
                   <a:schemeClr val="tx2"/>
                 </a:solidFill>
@@ -31039,6 +31039,66 @@
           </p:txBody>
         </p:sp>
       </p:grpSp>
+      <p:sp>
+        <p:nvSpPr>
+          <p:cNvPr id="13" name="TextBox 12">
+            <a:extLst>
+              <a:ext uri="{FF2B5EF4-FFF2-40B4-BE49-F238E27FC236}">
+                <a16:creationId xmlns:a16="http://schemas.microsoft.com/office/drawing/2014/main" id="{1F8E1929-F681-1A43-8525-6486B7697FB5}"/>
+              </a:ext>
+            </a:extLst>
+          </p:cNvPr>
+          <p:cNvSpPr txBox="1"/>
+          <p:nvPr/>
+        </p:nvSpPr>
+        <p:spPr>
+          <a:xfrm>
+            <a:off x="4943225" y="4785820"/>
+            <a:ext cx="4577936" cy="1477328"/>
+          </a:xfrm>
+          <a:prstGeom prst="rect">
+            <a:avLst/>
+          </a:prstGeom>
+          <a:noFill/>
+        </p:spPr>
+        <p:txBody>
+          <a:bodyPr wrap="square">
+            <a:spAutoFit/>
+          </a:bodyPr>
+          <a:lstStyle/>
+          <a:p>
+            <a:r>
+              <a:rPr lang="en-US" dirty="0"/>
+              <a:t>Live demo</a:t>
+            </a:r>
+          </a:p>
+          <a:p>
+            <a:r>
+              <a:rPr lang="en-US" dirty="0">
+                <a:hlinkClick r:id="rId4"/>
+              </a:rPr>
+              <a:t>https://app.powerplantagent.com/review</a:t>
+            </a:r>
+            <a:endParaRPr lang="en-US" dirty="0"/>
+          </a:p>
+          <a:p>
+            <a:r>
+              <a:rPr lang="en-US" altLang="zh-CN" dirty="0" err="1"/>
+              <a:t>Github</a:t>
+            </a:r>
+            <a:br>
+              <a:rPr lang="en-US" altLang="zh-CN" dirty="0"/>
+            </a:br>
+            <a:r>
+              <a:rPr lang="en-US" altLang="zh-CN" dirty="0">
+                <a:hlinkClick r:id="rId5"/>
+              </a:rPr>
+              <a:t>https://github.com/Haoj1/Powerplant-Multi-Agent</a:t>
+            </a:r>
+            <a:endParaRPr lang="en-US" dirty="0"/>
+          </a:p>
+        </p:txBody>
+      </p:sp>
     </p:spTree>
   </p:cSld>
   <p:clrMapOvr>
